--- a/Quiz from Pokemon.pptx
+++ b/Quiz from Pokemon.pptx
@@ -17,7 +17,8 @@
     <p:sldId id="262" r:id="rId11"/>
     <p:sldId id="265" r:id="rId12"/>
     <p:sldId id="266" r:id="rId13"/>
-    <p:sldId id="267" r:id="rId14"/>
+    <p:sldId id="269" r:id="rId14"/>
+    <p:sldId id="267" r:id="rId15"/>
   </p:sldIdLst>
   <p:sldSz cx="12192000" cy="6858000"/>
   <p:notesSz cx="6858000" cy="9144000"/>
@@ -3688,8 +3689,8 @@
         </p:nvSpPr>
         <p:spPr>
           <a:xfrm>
-            <a:off x="3536576" y="1324206"/>
-            <a:ext cx="9144000" cy="1655762"/>
+            <a:off x="98612" y="1391112"/>
+            <a:ext cx="11994776" cy="1655762"/>
           </a:xfrm>
         </p:spPr>
         <p:txBody>
@@ -3698,7 +3699,7 @@
           <a:p>
             <a:r>
               <a:rPr lang="en-US" altLang="ja-JP" dirty="0"/>
-              <a:t>Yuki Hayashi, Kouki Tazawa, Daisuke</a:t>
+              <a:t>15816076 Yuki Hayashi, 15816053 Kouki Tazawa, 15816064 Daisuke</a:t>
             </a:r>
             <a:r>
               <a:rPr lang="ja-JP" altLang="en-US" dirty="0"/>
@@ -4010,6 +4011,43 @@
           <a:chExt cx="0" cy="0"/>
         </a:xfrm>
       </p:grpSpPr>
+      <p:pic>
+        <p:nvPicPr>
+          <p:cNvPr id="5" name="図 4">
+            <a:hlinkClick r:id="rId2"/>
+            <a:extLst>
+              <a:ext uri="{FF2B5EF4-FFF2-40B4-BE49-F238E27FC236}">
+                <a16:creationId xmlns:a16="http://schemas.microsoft.com/office/drawing/2014/main" id="{4452A3AF-58B7-4A69-9380-9330107DE1AC}"/>
+              </a:ext>
+            </a:extLst>
+          </p:cNvPr>
+          <p:cNvPicPr>
+            <a:picLocks noChangeAspect="1"/>
+          </p:cNvPicPr>
+          <p:nvPr/>
+        </p:nvPicPr>
+        <p:blipFill>
+          <a:blip r:embed="rId3">
+            <a:extLst>
+              <a:ext uri="{28A0092B-C50C-407E-A947-70E740481C1C}">
+                <a14:useLocalDpi xmlns:a14="http://schemas.microsoft.com/office/drawing/2010/main" val="0"/>
+              </a:ext>
+            </a:extLst>
+          </a:blip>
+          <a:stretch>
+            <a:fillRect/>
+          </a:stretch>
+        </p:blipFill>
+        <p:spPr>
+          <a:xfrm>
+            <a:off x="838200" y="365125"/>
+            <a:ext cx="8205787" cy="4102894"/>
+          </a:xfrm>
+          <a:prstGeom prst="rect">
+            <a:avLst/>
+          </a:prstGeom>
+        </p:spPr>
+      </p:pic>
       <p:sp>
         <p:nvSpPr>
           <p:cNvPr id="2" name="タイトル 1">
@@ -4054,24 +4092,15 @@
             <p:ph idx="1"/>
           </p:nvPr>
         </p:nvSpPr>
-        <p:spPr/>
-        <p:txBody>
-          <a:bodyPr/>
-          <a:lstStyle/>
-          <a:p>
-            <a:pPr marL="0" indent="0">
-              <a:buNone/>
-            </a:pPr>
-            <a:r>
-              <a:rPr lang="ja-JP" altLang="en-US" dirty="0">
-                <a:hlinkClick r:id="rId2"/>
-              </a:rPr>
-              <a:t>ポケモンだいすきクラブ：</a:t>
-            </a:r>
-            <a:endParaRPr lang="en-US" altLang="ja-JP" dirty="0">
-              <a:hlinkClick r:id="rId2"/>
-            </a:endParaRPr>
-          </a:p>
+        <p:spPr>
+          <a:xfrm>
+            <a:off x="1309687" y="3429000"/>
+            <a:ext cx="10515600" cy="4351338"/>
+          </a:xfrm>
+        </p:spPr>
+        <p:txBody>
+          <a:bodyPr/>
+          <a:lstStyle/>
           <a:p>
             <a:pPr marL="0" indent="0">
               <a:buNone/>
@@ -4100,6 +4129,167 @@
 </file>
 
 <file path=ppt/slides/slide13.xml><?xml version="1.0" encoding="utf-8"?>
+<p:sld xmlns:a="http://schemas.openxmlformats.org/drawingml/2006/main" xmlns:r="http://schemas.openxmlformats.org/officeDocument/2006/relationships" xmlns:p="http://schemas.openxmlformats.org/presentationml/2006/main">
+  <p:cSld>
+    <p:spTree>
+      <p:nvGrpSpPr>
+        <p:cNvPr id="1" name=""/>
+        <p:cNvGrpSpPr/>
+        <p:nvPr/>
+      </p:nvGrpSpPr>
+      <p:grpSpPr>
+        <a:xfrm>
+          <a:off x="0" y="0"/>
+          <a:ext cx="0" cy="0"/>
+          <a:chOff x="0" y="0"/>
+          <a:chExt cx="0" cy="0"/>
+        </a:xfrm>
+      </p:grpSpPr>
+      <p:sp>
+        <p:nvSpPr>
+          <p:cNvPr id="2" name="タイトル 1">
+            <a:extLst>
+              <a:ext uri="{FF2B5EF4-FFF2-40B4-BE49-F238E27FC236}">
+                <a16:creationId xmlns:a16="http://schemas.microsoft.com/office/drawing/2014/main" id="{9B7EF880-DD04-4198-8CF8-787CAB72B271}"/>
+              </a:ext>
+            </a:extLst>
+          </p:cNvPr>
+          <p:cNvSpPr>
+            <a:spLocks noGrp="1"/>
+          </p:cNvSpPr>
+          <p:nvPr>
+            <p:ph type="title"/>
+          </p:nvPr>
+        </p:nvSpPr>
+        <p:spPr/>
+        <p:txBody>
+          <a:bodyPr/>
+          <a:lstStyle/>
+          <a:p>
+            <a:r>
+              <a:rPr lang="ja-JP" altLang="en-US" dirty="0"/>
+              <a:t>感想</a:t>
+            </a:r>
+            <a:endParaRPr kumimoji="1" lang="ja-JP" altLang="en-US" dirty="0"/>
+          </a:p>
+        </p:txBody>
+      </p:sp>
+      <p:sp>
+        <p:nvSpPr>
+          <p:cNvPr id="3" name="コンテンツ プレースホルダー 2">
+            <a:extLst>
+              <a:ext uri="{FF2B5EF4-FFF2-40B4-BE49-F238E27FC236}">
+                <a16:creationId xmlns:a16="http://schemas.microsoft.com/office/drawing/2014/main" id="{D9DB7F6D-66D7-4C31-B280-BA3881423891}"/>
+              </a:ext>
+            </a:extLst>
+          </p:cNvPr>
+          <p:cNvSpPr>
+            <a:spLocks noGrp="1"/>
+          </p:cNvSpPr>
+          <p:nvPr>
+            <p:ph idx="1"/>
+          </p:nvPr>
+        </p:nvSpPr>
+        <p:spPr/>
+        <p:txBody>
+          <a:bodyPr/>
+          <a:lstStyle/>
+          <a:p>
+            <a:pPr marL="0" indent="0">
+              <a:buNone/>
+            </a:pPr>
+            <a:r>
+              <a:rPr kumimoji="1" lang="ja-JP" altLang="en-US" dirty="0"/>
+              <a:t>当初の目的の普段注目されないポケモンを、少しでも忘れられないようにするということを達することができました。</a:t>
+            </a:r>
+            <a:endParaRPr kumimoji="1" lang="en-US" altLang="ja-JP" dirty="0"/>
+          </a:p>
+          <a:p>
+            <a:pPr marL="0" indent="0">
+              <a:buNone/>
+            </a:pPr>
+            <a:endParaRPr lang="en-US" altLang="ja-JP" dirty="0"/>
+          </a:p>
+          <a:p>
+            <a:pPr marL="0" indent="0">
+              <a:buNone/>
+            </a:pPr>
+            <a:r>
+              <a:rPr kumimoji="1" lang="ja-JP" altLang="en-US" dirty="0"/>
+              <a:t>また、課題の出来栄えとしては、うまくスクレイピングができて、</a:t>
+            </a:r>
+            <a:r>
+              <a:rPr kumimoji="1" lang="en-US" altLang="ja-JP" dirty="0" err="1"/>
+              <a:t>css</a:t>
+            </a:r>
+            <a:r>
+              <a:rPr kumimoji="1" lang="ja-JP" altLang="en-US" dirty="0"/>
+              <a:t>で華やかに</a:t>
+            </a:r>
+            <a:r>
+              <a:rPr kumimoji="1" lang="en-US" altLang="ja-JP" dirty="0"/>
+              <a:t>web</a:t>
+            </a:r>
+            <a:r>
+              <a:rPr kumimoji="1" lang="ja-JP" altLang="en-US" dirty="0"/>
+              <a:t>デザインをすることができたので、非常に満足しています。</a:t>
+            </a:r>
+            <a:endParaRPr kumimoji="1" lang="en-US" altLang="ja-JP" dirty="0"/>
+          </a:p>
+          <a:p>
+            <a:pPr marL="0" indent="0">
+              <a:buNone/>
+            </a:pPr>
+            <a:endParaRPr lang="en-US" altLang="ja-JP" dirty="0"/>
+          </a:p>
+          <a:p>
+            <a:pPr marL="0" indent="0">
+              <a:buNone/>
+            </a:pPr>
+            <a:r>
+              <a:rPr lang="ja-JP" altLang="en-US" dirty="0"/>
+              <a:t>この授業を通しえて、</a:t>
+            </a:r>
+            <a:r>
+              <a:rPr lang="en-US" altLang="ja-JP" dirty="0"/>
+              <a:t>python</a:t>
+            </a:r>
+            <a:r>
+              <a:rPr lang="ja-JP" altLang="en-US" dirty="0"/>
+              <a:t>と</a:t>
+            </a:r>
+            <a:r>
+              <a:rPr lang="en-US" altLang="ja-JP" dirty="0"/>
+              <a:t>html</a:t>
+            </a:r>
+            <a:r>
+              <a:rPr lang="ja-JP" altLang="en-US" dirty="0"/>
+              <a:t>の両方の知識を身につけられたと思います。</a:t>
+            </a:r>
+            <a:endParaRPr lang="en-US" altLang="ja-JP" dirty="0"/>
+          </a:p>
+          <a:p>
+            <a:pPr marL="0" indent="0">
+              <a:buNone/>
+            </a:pPr>
+            <a:endParaRPr kumimoji="1" lang="ja-JP" altLang="en-US" dirty="0"/>
+          </a:p>
+        </p:txBody>
+      </p:sp>
+    </p:spTree>
+    <p:extLst>
+      <p:ext uri="{BB962C8B-B14F-4D97-AF65-F5344CB8AC3E}">
+        <p14:creationId xmlns:p14="http://schemas.microsoft.com/office/powerpoint/2010/main" val="3299213418"/>
+      </p:ext>
+    </p:extLst>
+  </p:cSld>
+  <p:clrMapOvr>
+    <a:masterClrMapping/>
+  </p:clrMapOvr>
+</p:sld>
+</file>
+
+<file path=ppt/slides/slide14.xml><?xml version="1.0" encoding="utf-8"?>
 <p:sld xmlns:a="http://schemas.openxmlformats.org/drawingml/2006/main" xmlns:r="http://schemas.openxmlformats.org/officeDocument/2006/relationships" xmlns:p="http://schemas.openxmlformats.org/presentationml/2006/main">
   <p:cSld>
     <p:spTree>
@@ -5407,7 +5597,7 @@
           <a:p>
             <a:r>
               <a:rPr lang="ja-JP" altLang="en-US" dirty="0"/>
-              <a:t>クイズの実行例</a:t>
+              <a:t>クイズの実行例と概要</a:t>
             </a:r>
             <a:endParaRPr kumimoji="1" lang="ja-JP" altLang="en-US" dirty="0"/>
           </a:p>
